--- a/презентація до курсової роботи Овсеюкова Єгора.pptx
+++ b/презентація до курсової роботи Овсеюкова Єгора.pptx
@@ -12,6 +12,7 @@
     <p:sldId id="260" r:id="rId6"/>
     <p:sldId id="261" r:id="rId7"/>
     <p:sldId id="262" r:id="rId8"/>
+    <p:sldId id="263" r:id="rId9"/>
   </p:sldIdLst>
   <p:sldSz cx="12192000" cy="6858000"/>
   <p:notesSz cx="6858000" cy="9144000"/>
@@ -110,6 +111,11 @@
       </a:defRPr>
     </a:lvl9pPr>
   </p:defaultTextStyle>
+  <p:extLst>
+    <p:ext uri="{EFAFB233-063F-42B5-8137-9DF3F51BA10A}">
+      <p15:sldGuideLst xmlns:p15="http://schemas.microsoft.com/office/powerpoint/2012/main"/>
+    </p:ext>
+  </p:extLst>
 </p:presentation>
 </file>
 
@@ -274,7 +280,7 @@
           <a:p>
             <a:fld id="{FC02CBD9-FAFF-4D30-8EBA-73732B72B2B5}" type="datetimeFigureOut">
               <a:rPr lang="en-GB" smtClean="0"/>
-              <a:t>23/05/2021</a:t>
+              <a:t>26/05/2021</a:t>
             </a:fld>
             <a:endParaRPr lang="en-GB" dirty="0"/>
           </a:p>
@@ -474,7 +480,7 @@
           <a:p>
             <a:fld id="{FC02CBD9-FAFF-4D30-8EBA-73732B72B2B5}" type="datetimeFigureOut">
               <a:rPr lang="en-GB" smtClean="0"/>
-              <a:t>23/05/2021</a:t>
+              <a:t>26/05/2021</a:t>
             </a:fld>
             <a:endParaRPr lang="en-GB" dirty="0"/>
           </a:p>
@@ -684,7 +690,7 @@
           <a:p>
             <a:fld id="{FC02CBD9-FAFF-4D30-8EBA-73732B72B2B5}" type="datetimeFigureOut">
               <a:rPr lang="en-GB" smtClean="0"/>
-              <a:t>23/05/2021</a:t>
+              <a:t>26/05/2021</a:t>
             </a:fld>
             <a:endParaRPr lang="en-GB" dirty="0"/>
           </a:p>
@@ -884,7 +890,7 @@
           <a:p>
             <a:fld id="{FC02CBD9-FAFF-4D30-8EBA-73732B72B2B5}" type="datetimeFigureOut">
               <a:rPr lang="en-GB" smtClean="0"/>
-              <a:t>23/05/2021</a:t>
+              <a:t>26/05/2021</a:t>
             </a:fld>
             <a:endParaRPr lang="en-GB" dirty="0"/>
           </a:p>
@@ -1160,7 +1166,7 @@
           <a:p>
             <a:fld id="{FC02CBD9-FAFF-4D30-8EBA-73732B72B2B5}" type="datetimeFigureOut">
               <a:rPr lang="en-GB" smtClean="0"/>
-              <a:t>23/05/2021</a:t>
+              <a:t>26/05/2021</a:t>
             </a:fld>
             <a:endParaRPr lang="en-GB" dirty="0"/>
           </a:p>
@@ -1428,7 +1434,7 @@
           <a:p>
             <a:fld id="{FC02CBD9-FAFF-4D30-8EBA-73732B72B2B5}" type="datetimeFigureOut">
               <a:rPr lang="en-GB" smtClean="0"/>
-              <a:t>23/05/2021</a:t>
+              <a:t>26/05/2021</a:t>
             </a:fld>
             <a:endParaRPr lang="en-GB" dirty="0"/>
           </a:p>
@@ -1843,7 +1849,7 @@
           <a:p>
             <a:fld id="{FC02CBD9-FAFF-4D30-8EBA-73732B72B2B5}" type="datetimeFigureOut">
               <a:rPr lang="en-GB" smtClean="0"/>
-              <a:t>23/05/2021</a:t>
+              <a:t>26/05/2021</a:t>
             </a:fld>
             <a:endParaRPr lang="en-GB" dirty="0"/>
           </a:p>
@@ -1985,7 +1991,7 @@
           <a:p>
             <a:fld id="{FC02CBD9-FAFF-4D30-8EBA-73732B72B2B5}" type="datetimeFigureOut">
               <a:rPr lang="en-GB" smtClean="0"/>
-              <a:t>23/05/2021</a:t>
+              <a:t>26/05/2021</a:t>
             </a:fld>
             <a:endParaRPr lang="en-GB" dirty="0"/>
           </a:p>
@@ -2098,7 +2104,7 @@
           <a:p>
             <a:fld id="{FC02CBD9-FAFF-4D30-8EBA-73732B72B2B5}" type="datetimeFigureOut">
               <a:rPr lang="en-GB" smtClean="0"/>
-              <a:t>23/05/2021</a:t>
+              <a:t>26/05/2021</a:t>
             </a:fld>
             <a:endParaRPr lang="en-GB" dirty="0"/>
           </a:p>
@@ -2411,7 +2417,7 @@
           <a:p>
             <a:fld id="{FC02CBD9-FAFF-4D30-8EBA-73732B72B2B5}" type="datetimeFigureOut">
               <a:rPr lang="en-GB" smtClean="0"/>
-              <a:t>23/05/2021</a:t>
+              <a:t>26/05/2021</a:t>
             </a:fld>
             <a:endParaRPr lang="en-GB" dirty="0"/>
           </a:p>
@@ -2700,7 +2706,7 @@
           <a:p>
             <a:fld id="{FC02CBD9-FAFF-4D30-8EBA-73732B72B2B5}" type="datetimeFigureOut">
               <a:rPr lang="en-GB" smtClean="0"/>
-              <a:t>23/05/2021</a:t>
+              <a:t>26/05/2021</a:t>
             </a:fld>
             <a:endParaRPr lang="en-GB" dirty="0"/>
           </a:p>
@@ -2943,7 +2949,7 @@
           <a:p>
             <a:fld id="{FC02CBD9-FAFF-4D30-8EBA-73732B72B2B5}" type="datetimeFigureOut">
               <a:rPr lang="en-GB" smtClean="0"/>
-              <a:t>23/05/2021</a:t>
+              <a:t>26/05/2021</a:t>
             </a:fld>
             <a:endParaRPr lang="en-GB" dirty="0"/>
           </a:p>
@@ -3482,8 +3488,12 @@
           <a:p>
             <a:pPr algn="r"/>
             <a:r>
+              <a:rPr lang="ru-RU" sz="2800" dirty="0" err="1"/>
+              <a:t>Іголкін</a:t>
+            </a:r>
+            <a:r>
               <a:rPr lang="ru-RU" sz="2800" dirty="0"/>
-              <a:t>Левківський В. Л.</a:t>
+              <a:t> С.С.</a:t>
             </a:r>
             <a:endParaRPr lang="en-GB" sz="2800" dirty="0"/>
           </a:p>
@@ -5354,6 +5364,108 @@
     <p:extLst>
       <p:ext uri="{BB962C8B-B14F-4D97-AF65-F5344CB8AC3E}">
         <p14:creationId xmlns:p14="http://schemas.microsoft.com/office/powerpoint/2010/main" val="999869871"/>
+      </p:ext>
+    </p:extLst>
+  </p:cSld>
+  <p:clrMapOvr>
+    <a:masterClrMapping/>
+  </p:clrMapOvr>
+</p:sld>
+</file>
+
+<file path=ppt/slides/slide8.xml><?xml version="1.0" encoding="utf-8"?>
+<p:sld xmlns:a="http://schemas.openxmlformats.org/drawingml/2006/main" xmlns:r="http://schemas.openxmlformats.org/officeDocument/2006/relationships" xmlns:p="http://schemas.openxmlformats.org/presentationml/2006/main">
+  <p:cSld>
+    <p:spTree>
+      <p:nvGrpSpPr>
+        <p:cNvPr id="1" name=""/>
+        <p:cNvGrpSpPr/>
+        <p:nvPr/>
+      </p:nvGrpSpPr>
+      <p:grpSpPr>
+        <a:xfrm>
+          <a:off x="0" y="0"/>
+          <a:ext cx="0" cy="0"/>
+          <a:chOff x="0" y="0"/>
+          <a:chExt cx="0" cy="0"/>
+        </a:xfrm>
+      </p:grpSpPr>
+      <p:sp>
+        <p:nvSpPr>
+          <p:cNvPr id="2" name="Title 1">
+            <a:extLst>
+              <a:ext uri="{FF2B5EF4-FFF2-40B4-BE49-F238E27FC236}">
+                <a16:creationId xmlns:a16="http://schemas.microsoft.com/office/drawing/2014/main" id="{60EF0A38-5D5C-417B-A053-9B2EA2A0FE5A}"/>
+              </a:ext>
+            </a:extLst>
+          </p:cNvPr>
+          <p:cNvSpPr>
+            <a:spLocks noGrp="1"/>
+          </p:cNvSpPr>
+          <p:nvPr>
+            <p:ph type="title"/>
+          </p:nvPr>
+        </p:nvSpPr>
+        <p:spPr/>
+        <p:txBody>
+          <a:bodyPr/>
+          <a:lstStyle/>
+          <a:p>
+            <a:pPr algn="ctr"/>
+            <a:r>
+              <a:rPr lang="uk-UA" dirty="0"/>
+              <a:t>Діаграма створених класів</a:t>
+            </a:r>
+          </a:p>
+        </p:txBody>
+      </p:sp>
+      <p:pic>
+        <p:nvPicPr>
+          <p:cNvPr id="4" name="Content Placeholder 3">
+            <a:extLst>
+              <a:ext uri="{FF2B5EF4-FFF2-40B4-BE49-F238E27FC236}">
+                <a16:creationId xmlns:a16="http://schemas.microsoft.com/office/drawing/2014/main" id="{3826F960-ACF7-4CE7-9CB5-2A0E18CF1231}"/>
+              </a:ext>
+            </a:extLst>
+          </p:cNvPr>
+          <p:cNvPicPr>
+            <a:picLocks noGrp="1"/>
+          </p:cNvPicPr>
+          <p:nvPr>
+            <p:ph idx="1"/>
+          </p:nvPr>
+        </p:nvPicPr>
+        <p:blipFill>
+          <a:blip r:embed="rId2">
+            <a:extLst>
+              <a:ext uri="{28A0092B-C50C-407E-A947-70E740481C1C}">
+                <a14:useLocalDpi xmlns:a14="http://schemas.microsoft.com/office/drawing/2010/main" val="0"/>
+              </a:ext>
+            </a:extLst>
+          </a:blip>
+          <a:srcRect/>
+          <a:stretch>
+            <a:fillRect/>
+          </a:stretch>
+        </p:blipFill>
+        <p:spPr bwMode="auto">
+          <a:xfrm>
+            <a:off x="934618" y="1825625"/>
+            <a:ext cx="10322764" cy="4351338"/>
+          </a:xfrm>
+          <a:prstGeom prst="rect">
+            <a:avLst/>
+          </a:prstGeom>
+          <a:noFill/>
+          <a:ln>
+            <a:noFill/>
+          </a:ln>
+        </p:spPr>
+      </p:pic>
+    </p:spTree>
+    <p:extLst>
+      <p:ext uri="{BB962C8B-B14F-4D97-AF65-F5344CB8AC3E}">
+        <p14:creationId xmlns:p14="http://schemas.microsoft.com/office/powerpoint/2010/main" val="1902614192"/>
       </p:ext>
     </p:extLst>
   </p:cSld>

--- a/презентація до курсової роботи Овсеюкова Єгора.pptx
+++ b/презентація до курсової роботи Овсеюкова Єгора.pptx
@@ -12,7 +12,8 @@
     <p:sldId id="260" r:id="rId6"/>
     <p:sldId id="261" r:id="rId7"/>
     <p:sldId id="262" r:id="rId8"/>
-    <p:sldId id="263" r:id="rId9"/>
+    <p:sldId id="264" r:id="rId9"/>
+    <p:sldId id="263" r:id="rId10"/>
   </p:sldIdLst>
   <p:sldSz cx="12192000" cy="6858000"/>
   <p:notesSz cx="6858000" cy="9144000"/>
@@ -3352,6 +3353,16 @@
 <file path=ppt/slides/slide1.xml><?xml version="1.0" encoding="utf-8"?>
 <p:sld xmlns:a="http://schemas.openxmlformats.org/drawingml/2006/main" xmlns:r="http://schemas.openxmlformats.org/officeDocument/2006/relationships" xmlns:p="http://schemas.openxmlformats.org/presentationml/2006/main">
   <p:cSld>
+    <p:bg>
+      <p:bgPr>
+        <a:solidFill>
+          <a:schemeClr val="bg1">
+            <a:lumMod val="75000"/>
+          </a:schemeClr>
+        </a:solidFill>
+        <a:effectLst/>
+      </p:bgPr>
+    </p:bg>
     <p:spTree>
       <p:nvGrpSpPr>
         <p:cNvPr id="1" name=""/>
@@ -3515,6 +3526,16 @@
 <file path=ppt/slides/slide2.xml><?xml version="1.0" encoding="utf-8"?>
 <p:sld xmlns:a="http://schemas.openxmlformats.org/drawingml/2006/main" xmlns:r="http://schemas.openxmlformats.org/officeDocument/2006/relationships" xmlns:p="http://schemas.openxmlformats.org/presentationml/2006/main">
   <p:cSld>
+    <p:bg>
+      <p:bgPr>
+        <a:solidFill>
+          <a:schemeClr val="bg1">
+            <a:lumMod val="75000"/>
+          </a:schemeClr>
+        </a:solidFill>
+        <a:effectLst/>
+      </p:bgPr>
+    </p:bg>
     <p:spTree>
       <p:nvGrpSpPr>
         <p:cNvPr id="1" name=""/>
@@ -3625,6 +3646,16 @@
 <file path=ppt/slides/slide3.xml><?xml version="1.0" encoding="utf-8"?>
 <p:sld xmlns:a="http://schemas.openxmlformats.org/drawingml/2006/main" xmlns:r="http://schemas.openxmlformats.org/officeDocument/2006/relationships" xmlns:p="http://schemas.openxmlformats.org/presentationml/2006/main">
   <p:cSld>
+    <p:bg>
+      <p:bgPr>
+        <a:solidFill>
+          <a:schemeClr val="bg1">
+            <a:lumMod val="75000"/>
+          </a:schemeClr>
+        </a:solidFill>
+        <a:effectLst/>
+      </p:bgPr>
+    </p:bg>
     <p:spTree>
       <p:nvGrpSpPr>
         <p:cNvPr id="1" name=""/>
@@ -3773,6 +3804,16 @@
 <file path=ppt/slides/slide4.xml><?xml version="1.0" encoding="utf-8"?>
 <p:sld xmlns:a="http://schemas.openxmlformats.org/drawingml/2006/main" xmlns:r="http://schemas.openxmlformats.org/officeDocument/2006/relationships" xmlns:p="http://schemas.openxmlformats.org/presentationml/2006/main">
   <p:cSld>
+    <p:bg>
+      <p:bgPr>
+        <a:solidFill>
+          <a:schemeClr val="bg1">
+            <a:lumMod val="75000"/>
+          </a:schemeClr>
+        </a:solidFill>
+        <a:effectLst/>
+      </p:bgPr>
+    </p:bg>
     <p:spTree>
       <p:nvGrpSpPr>
         <p:cNvPr id="1" name=""/>
@@ -3947,6 +3988,16 @@
 <file path=ppt/slides/slide5.xml><?xml version="1.0" encoding="utf-8"?>
 <p:sld xmlns:a="http://schemas.openxmlformats.org/drawingml/2006/main" xmlns:r="http://schemas.openxmlformats.org/officeDocument/2006/relationships" xmlns:p="http://schemas.openxmlformats.org/presentationml/2006/main">
   <p:cSld>
+    <p:bg>
+      <p:bgPr>
+        <a:solidFill>
+          <a:schemeClr val="bg1">
+            <a:lumMod val="75000"/>
+          </a:schemeClr>
+        </a:solidFill>
+        <a:effectLst/>
+      </p:bgPr>
+    </p:bg>
     <p:spTree>
       <p:nvGrpSpPr>
         <p:cNvPr id="1" name=""/>
@@ -4127,6 +4178,16 @@
 <file path=ppt/slides/slide6.xml><?xml version="1.0" encoding="utf-8"?>
 <p:sld xmlns:a="http://schemas.openxmlformats.org/drawingml/2006/main" xmlns:r="http://schemas.openxmlformats.org/officeDocument/2006/relationships" xmlns:p="http://schemas.openxmlformats.org/presentationml/2006/main">
   <p:cSld>
+    <p:bg>
+      <p:bgPr>
+        <a:solidFill>
+          <a:schemeClr val="bg1">
+            <a:lumMod val="75000"/>
+          </a:schemeClr>
+        </a:solidFill>
+        <a:effectLst/>
+      </p:bgPr>
+    </p:bg>
     <p:spTree>
       <p:nvGrpSpPr>
         <p:cNvPr id="1" name=""/>
@@ -4455,6 +4516,16 @@
 <file path=ppt/slides/slide7.xml><?xml version="1.0" encoding="utf-8"?>
 <p:sld xmlns:a="http://schemas.openxmlformats.org/drawingml/2006/main" xmlns:r="http://schemas.openxmlformats.org/officeDocument/2006/relationships" xmlns:p="http://schemas.openxmlformats.org/presentationml/2006/main">
   <p:cSld>
+    <p:bg>
+      <p:bgPr>
+        <a:solidFill>
+          <a:schemeClr val="bg1">
+            <a:lumMod val="75000"/>
+          </a:schemeClr>
+        </a:solidFill>
+        <a:effectLst/>
+      </p:bgPr>
+    </p:bg>
     <p:spTree>
       <p:nvGrpSpPr>
         <p:cNvPr id="1" name=""/>
@@ -5376,6 +5447,16 @@
 <file path=ppt/slides/slide8.xml><?xml version="1.0" encoding="utf-8"?>
 <p:sld xmlns:a="http://schemas.openxmlformats.org/drawingml/2006/main" xmlns:r="http://schemas.openxmlformats.org/officeDocument/2006/relationships" xmlns:p="http://schemas.openxmlformats.org/presentationml/2006/main">
   <p:cSld>
+    <p:bg>
+      <p:bgPr>
+        <a:solidFill>
+          <a:schemeClr val="bg1">
+            <a:lumMod val="75000"/>
+          </a:schemeClr>
+        </a:solidFill>
+        <a:effectLst/>
+      </p:bgPr>
+    </p:bg>
     <p:spTree>
       <p:nvGrpSpPr>
         <p:cNvPr id="1" name=""/>
@@ -5395,7 +5476,7 @@
           <p:cNvPr id="2" name="Title 1">
             <a:extLst>
               <a:ext uri="{FF2B5EF4-FFF2-40B4-BE49-F238E27FC236}">
-                <a16:creationId xmlns:a16="http://schemas.microsoft.com/office/drawing/2014/main" id="{60EF0A38-5D5C-417B-A053-9B2EA2A0FE5A}"/>
+                <a16:creationId xmlns:a16="http://schemas.microsoft.com/office/drawing/2014/main" id="{AB437BE4-9A70-4CF5-85FD-D6865E803524}"/>
               </a:ext>
             </a:extLst>
           </p:cNvPr>
@@ -5413,7 +5494,754 @@
           <a:p>
             <a:pPr algn="ctr"/>
             <a:r>
-              <a:rPr lang="uk-UA" dirty="0"/>
+              <a:rPr lang="uk-UA" b="1">
+                <a:effectLst>
+                  <a:outerShdw blurRad="38100" dist="38100" dir="2700000" algn="tl">
+                    <a:srgbClr val="000000">
+                      <a:alpha val="43137"/>
+                    </a:srgbClr>
+                  </a:outerShdw>
+                </a:effectLst>
+              </a:rPr>
+              <a:t>В грі велика </a:t>
+            </a:r>
+            <a:r>
+              <a:rPr lang="uk-UA" b="1" dirty="0">
+                <a:effectLst>
+                  <a:outerShdw blurRad="38100" dist="38100" dir="2700000" algn="tl">
+                    <a:srgbClr val="000000">
+                      <a:alpha val="43137"/>
+                    </a:srgbClr>
+                  </a:outerShdw>
+                </a:effectLst>
+              </a:rPr>
+              <a:t>різноманітність труб які відрізняються своїми механіками </a:t>
+            </a:r>
+          </a:p>
+        </p:txBody>
+      </p:sp>
+      <p:pic>
+        <p:nvPicPr>
+          <p:cNvPr id="5" name="Picture 4">
+            <a:extLst>
+              <a:ext uri="{FF2B5EF4-FFF2-40B4-BE49-F238E27FC236}">
+                <a16:creationId xmlns:a16="http://schemas.microsoft.com/office/drawing/2014/main" id="{08872CAC-A916-44CB-96D3-A6C25F5CD2B1}"/>
+              </a:ext>
+            </a:extLst>
+          </p:cNvPr>
+          <p:cNvPicPr>
+            <a:picLocks noChangeAspect="1"/>
+          </p:cNvPicPr>
+          <p:nvPr/>
+        </p:nvPicPr>
+        <p:blipFill>
+          <a:blip r:embed="rId2">
+            <a:extLst>
+              <a:ext uri="{28A0092B-C50C-407E-A947-70E740481C1C}">
+                <a14:useLocalDpi xmlns:a14="http://schemas.microsoft.com/office/drawing/2010/main" val="0"/>
+              </a:ext>
+            </a:extLst>
+          </a:blip>
+          <a:stretch>
+            <a:fillRect/>
+          </a:stretch>
+        </p:blipFill>
+        <p:spPr>
+          <a:xfrm>
+            <a:off x="838200" y="1584309"/>
+            <a:ext cx="1300378" cy="1295783"/>
+          </a:xfrm>
+          <a:prstGeom prst="rect">
+            <a:avLst/>
+          </a:prstGeom>
+        </p:spPr>
+      </p:pic>
+      <p:pic>
+        <p:nvPicPr>
+          <p:cNvPr id="7" name="Picture 6">
+            <a:extLst>
+              <a:ext uri="{FF2B5EF4-FFF2-40B4-BE49-F238E27FC236}">
+                <a16:creationId xmlns:a16="http://schemas.microsoft.com/office/drawing/2014/main" id="{34BD8A82-FA61-48ED-A85C-6A593F092878}"/>
+              </a:ext>
+            </a:extLst>
+          </p:cNvPr>
+          <p:cNvPicPr>
+            <a:picLocks noChangeAspect="1"/>
+          </p:cNvPicPr>
+          <p:nvPr/>
+        </p:nvPicPr>
+        <p:blipFill>
+          <a:blip r:embed="rId3">
+            <a:extLst>
+              <a:ext uri="{28A0092B-C50C-407E-A947-70E740481C1C}">
+                <a14:useLocalDpi xmlns:a14="http://schemas.microsoft.com/office/drawing/2010/main" val="0"/>
+              </a:ext>
+            </a:extLst>
+          </a:blip>
+          <a:stretch>
+            <a:fillRect/>
+          </a:stretch>
+        </p:blipFill>
+        <p:spPr>
+          <a:xfrm>
+            <a:off x="5408202" y="2795666"/>
+            <a:ext cx="1266667" cy="1266667"/>
+          </a:xfrm>
+          <a:prstGeom prst="rect">
+            <a:avLst/>
+          </a:prstGeom>
+        </p:spPr>
+      </p:pic>
+      <p:pic>
+        <p:nvPicPr>
+          <p:cNvPr id="9" name="Picture 8">
+            <a:extLst>
+              <a:ext uri="{FF2B5EF4-FFF2-40B4-BE49-F238E27FC236}">
+                <a16:creationId xmlns:a16="http://schemas.microsoft.com/office/drawing/2014/main" id="{C44B558B-2DC3-4351-BE2F-45BE7BDA02E5}"/>
+              </a:ext>
+            </a:extLst>
+          </p:cNvPr>
+          <p:cNvPicPr>
+            <a:picLocks noChangeAspect="1"/>
+          </p:cNvPicPr>
+          <p:nvPr/>
+        </p:nvPicPr>
+        <p:blipFill>
+          <a:blip r:embed="rId4">
+            <a:extLst>
+              <a:ext uri="{28A0092B-C50C-407E-A947-70E740481C1C}">
+                <a14:useLocalDpi xmlns:a14="http://schemas.microsoft.com/office/drawing/2010/main" val="0"/>
+              </a:ext>
+            </a:extLst>
+          </a:blip>
+          <a:stretch>
+            <a:fillRect/>
+          </a:stretch>
+        </p:blipFill>
+        <p:spPr>
+          <a:xfrm>
+            <a:off x="2619339" y="2880092"/>
+            <a:ext cx="1266667" cy="1266667"/>
+          </a:xfrm>
+          <a:prstGeom prst="rect">
+            <a:avLst/>
+          </a:prstGeom>
+        </p:spPr>
+      </p:pic>
+      <p:pic>
+        <p:nvPicPr>
+          <p:cNvPr id="13" name="Picture 12">
+            <a:extLst>
+              <a:ext uri="{FF2B5EF4-FFF2-40B4-BE49-F238E27FC236}">
+                <a16:creationId xmlns:a16="http://schemas.microsoft.com/office/drawing/2014/main" id="{D344E8F0-AA5E-499D-8395-15673085F145}"/>
+              </a:ext>
+            </a:extLst>
+          </p:cNvPr>
+          <p:cNvPicPr>
+            <a:picLocks noChangeAspect="1"/>
+          </p:cNvPicPr>
+          <p:nvPr/>
+        </p:nvPicPr>
+        <p:blipFill>
+          <a:blip r:embed="rId5">
+            <a:extLst>
+              <a:ext uri="{28A0092B-C50C-407E-A947-70E740481C1C}">
+                <a14:useLocalDpi xmlns:a14="http://schemas.microsoft.com/office/drawing/2010/main" val="0"/>
+              </a:ext>
+            </a:extLst>
+          </a:blip>
+          <a:stretch>
+            <a:fillRect/>
+          </a:stretch>
+        </p:blipFill>
+        <p:spPr>
+          <a:xfrm>
+            <a:off x="3744027" y="1661299"/>
+            <a:ext cx="1266667" cy="1266667"/>
+          </a:xfrm>
+          <a:prstGeom prst="rect">
+            <a:avLst/>
+          </a:prstGeom>
+        </p:spPr>
+      </p:pic>
+      <p:pic>
+        <p:nvPicPr>
+          <p:cNvPr id="17" name="Picture 16">
+            <a:extLst>
+              <a:ext uri="{FF2B5EF4-FFF2-40B4-BE49-F238E27FC236}">
+                <a16:creationId xmlns:a16="http://schemas.microsoft.com/office/drawing/2014/main" id="{B88B1E60-E869-4930-BD37-6A431931471D}"/>
+              </a:ext>
+            </a:extLst>
+          </p:cNvPr>
+          <p:cNvPicPr>
+            <a:picLocks noChangeAspect="1"/>
+          </p:cNvPicPr>
+          <p:nvPr/>
+        </p:nvPicPr>
+        <p:blipFill>
+          <a:blip r:embed="rId6">
+            <a:extLst>
+              <a:ext uri="{28A0092B-C50C-407E-A947-70E740481C1C}">
+                <a14:useLocalDpi xmlns:a14="http://schemas.microsoft.com/office/drawing/2010/main" val="0"/>
+              </a:ext>
+            </a:extLst>
+          </a:blip>
+          <a:stretch>
+            <a:fillRect/>
+          </a:stretch>
+        </p:blipFill>
+        <p:spPr>
+          <a:xfrm>
+            <a:off x="2606347" y="1661299"/>
+            <a:ext cx="1266667" cy="1266667"/>
+          </a:xfrm>
+          <a:prstGeom prst="rect">
+            <a:avLst/>
+          </a:prstGeom>
+        </p:spPr>
+      </p:pic>
+      <p:pic>
+        <p:nvPicPr>
+          <p:cNvPr id="19" name="Picture 18">
+            <a:extLst>
+              <a:ext uri="{FF2B5EF4-FFF2-40B4-BE49-F238E27FC236}">
+                <a16:creationId xmlns:a16="http://schemas.microsoft.com/office/drawing/2014/main" id="{3C7BDE9B-FD3F-4832-A9B9-7D16A52388D6}"/>
+              </a:ext>
+            </a:extLst>
+          </p:cNvPr>
+          <p:cNvPicPr>
+            <a:picLocks noChangeAspect="1"/>
+          </p:cNvPicPr>
+          <p:nvPr/>
+        </p:nvPicPr>
+        <p:blipFill>
+          <a:blip r:embed="rId7">
+            <a:extLst>
+              <a:ext uri="{28A0092B-C50C-407E-A947-70E740481C1C}">
+                <a14:useLocalDpi xmlns:a14="http://schemas.microsoft.com/office/drawing/2010/main" val="0"/>
+              </a:ext>
+            </a:extLst>
+          </a:blip>
+          <a:stretch>
+            <a:fillRect/>
+          </a:stretch>
+        </p:blipFill>
+        <p:spPr>
+          <a:xfrm>
+            <a:off x="6648884" y="2781821"/>
+            <a:ext cx="1266667" cy="1266667"/>
+          </a:xfrm>
+          <a:prstGeom prst="rect">
+            <a:avLst/>
+          </a:prstGeom>
+        </p:spPr>
+      </p:pic>
+      <p:pic>
+        <p:nvPicPr>
+          <p:cNvPr id="21" name="Picture 20">
+            <a:extLst>
+              <a:ext uri="{FF2B5EF4-FFF2-40B4-BE49-F238E27FC236}">
+                <a16:creationId xmlns:a16="http://schemas.microsoft.com/office/drawing/2014/main" id="{7357B375-7144-40A5-8BAF-6CAE02F03AF4}"/>
+              </a:ext>
+            </a:extLst>
+          </p:cNvPr>
+          <p:cNvPicPr>
+            <a:picLocks noChangeAspect="1"/>
+          </p:cNvPicPr>
+          <p:nvPr/>
+        </p:nvPicPr>
+        <p:blipFill>
+          <a:blip r:embed="rId8">
+            <a:extLst>
+              <a:ext uri="{28A0092B-C50C-407E-A947-70E740481C1C}">
+                <a14:useLocalDpi xmlns:a14="http://schemas.microsoft.com/office/drawing/2010/main" val="0"/>
+              </a:ext>
+            </a:extLst>
+          </a:blip>
+          <a:stretch>
+            <a:fillRect/>
+          </a:stretch>
+        </p:blipFill>
+        <p:spPr>
+          <a:xfrm>
+            <a:off x="3785576" y="2875496"/>
+            <a:ext cx="1266667" cy="1266667"/>
+          </a:xfrm>
+          <a:prstGeom prst="rect">
+            <a:avLst/>
+          </a:prstGeom>
+        </p:spPr>
+      </p:pic>
+      <p:pic>
+        <p:nvPicPr>
+          <p:cNvPr id="25" name="Picture 24">
+            <a:extLst>
+              <a:ext uri="{FF2B5EF4-FFF2-40B4-BE49-F238E27FC236}">
+                <a16:creationId xmlns:a16="http://schemas.microsoft.com/office/drawing/2014/main" id="{B5E253A7-6618-4C46-9248-6048E8084659}"/>
+              </a:ext>
+            </a:extLst>
+          </p:cNvPr>
+          <p:cNvPicPr>
+            <a:picLocks noChangeAspect="1"/>
+          </p:cNvPicPr>
+          <p:nvPr/>
+        </p:nvPicPr>
+        <p:blipFill>
+          <a:blip r:embed="rId9">
+            <a:extLst>
+              <a:ext uri="{28A0092B-C50C-407E-A947-70E740481C1C}">
+                <a14:useLocalDpi xmlns:a14="http://schemas.microsoft.com/office/drawing/2010/main" val="0"/>
+              </a:ext>
+            </a:extLst>
+          </a:blip>
+          <a:stretch>
+            <a:fillRect/>
+          </a:stretch>
+        </p:blipFill>
+        <p:spPr>
+          <a:xfrm>
+            <a:off x="4813845" y="4326107"/>
+            <a:ext cx="1266667" cy="1266667"/>
+          </a:xfrm>
+          <a:prstGeom prst="rect">
+            <a:avLst/>
+          </a:prstGeom>
+        </p:spPr>
+      </p:pic>
+      <p:pic>
+        <p:nvPicPr>
+          <p:cNvPr id="27" name="Picture 26">
+            <a:extLst>
+              <a:ext uri="{FF2B5EF4-FFF2-40B4-BE49-F238E27FC236}">
+                <a16:creationId xmlns:a16="http://schemas.microsoft.com/office/drawing/2014/main" id="{70B444E4-5447-43D4-86A7-B0445A0080B0}"/>
+              </a:ext>
+            </a:extLst>
+          </p:cNvPr>
+          <p:cNvPicPr>
+            <a:picLocks noChangeAspect="1"/>
+          </p:cNvPicPr>
+          <p:nvPr/>
+        </p:nvPicPr>
+        <p:blipFill>
+          <a:blip r:embed="rId10">
+            <a:extLst>
+              <a:ext uri="{28A0092B-C50C-407E-A947-70E740481C1C}">
+                <a14:useLocalDpi xmlns:a14="http://schemas.microsoft.com/office/drawing/2010/main" val="0"/>
+              </a:ext>
+            </a:extLst>
+          </a:blip>
+          <a:stretch>
+            <a:fillRect/>
+          </a:stretch>
+        </p:blipFill>
+        <p:spPr>
+          <a:xfrm>
+            <a:off x="8214948" y="1528999"/>
+            <a:ext cx="1266667" cy="1266667"/>
+          </a:xfrm>
+          <a:prstGeom prst="rect">
+            <a:avLst/>
+          </a:prstGeom>
+        </p:spPr>
+      </p:pic>
+      <p:pic>
+        <p:nvPicPr>
+          <p:cNvPr id="29" name="Picture 28">
+            <a:extLst>
+              <a:ext uri="{FF2B5EF4-FFF2-40B4-BE49-F238E27FC236}">
+                <a16:creationId xmlns:a16="http://schemas.microsoft.com/office/drawing/2014/main" id="{FFCFB93C-41F8-4212-B0C9-F38B082BD517}"/>
+              </a:ext>
+            </a:extLst>
+          </p:cNvPr>
+          <p:cNvPicPr>
+            <a:picLocks noChangeAspect="1"/>
+          </p:cNvPicPr>
+          <p:nvPr/>
+        </p:nvPicPr>
+        <p:blipFill>
+          <a:blip r:embed="rId11">
+            <a:extLst>
+              <a:ext uri="{28A0092B-C50C-407E-A947-70E740481C1C}">
+                <a14:useLocalDpi xmlns:a14="http://schemas.microsoft.com/office/drawing/2010/main" val="0"/>
+              </a:ext>
+            </a:extLst>
+          </a:blip>
+          <a:stretch>
+            <a:fillRect/>
+          </a:stretch>
+        </p:blipFill>
+        <p:spPr>
+          <a:xfrm>
+            <a:off x="838200" y="3021458"/>
+            <a:ext cx="1266825" cy="1266825"/>
+          </a:xfrm>
+          <a:prstGeom prst="rect">
+            <a:avLst/>
+          </a:prstGeom>
+        </p:spPr>
+      </p:pic>
+      <p:pic>
+        <p:nvPicPr>
+          <p:cNvPr id="31" name="Picture 30">
+            <a:extLst>
+              <a:ext uri="{FF2B5EF4-FFF2-40B4-BE49-F238E27FC236}">
+                <a16:creationId xmlns:a16="http://schemas.microsoft.com/office/drawing/2014/main" id="{DE65A5EA-FCDE-43B7-A06A-A0B5652BBDB0}"/>
+              </a:ext>
+            </a:extLst>
+          </p:cNvPr>
+          <p:cNvPicPr>
+            <a:picLocks noChangeAspect="1"/>
+          </p:cNvPicPr>
+          <p:nvPr/>
+        </p:nvPicPr>
+        <p:blipFill>
+          <a:blip r:embed="rId12">
+            <a:extLst>
+              <a:ext uri="{28A0092B-C50C-407E-A947-70E740481C1C}">
+                <a14:useLocalDpi xmlns:a14="http://schemas.microsoft.com/office/drawing/2010/main" val="0"/>
+              </a:ext>
+            </a:extLst>
+          </a:blip>
+          <a:stretch>
+            <a:fillRect/>
+          </a:stretch>
+        </p:blipFill>
+        <p:spPr>
+          <a:xfrm>
+            <a:off x="6239625" y="4112774"/>
+            <a:ext cx="1266667" cy="1266667"/>
+          </a:xfrm>
+          <a:prstGeom prst="rect">
+            <a:avLst/>
+          </a:prstGeom>
+        </p:spPr>
+      </p:pic>
+      <p:pic>
+        <p:nvPicPr>
+          <p:cNvPr id="35" name="Picture 34">
+            <a:extLst>
+              <a:ext uri="{FF2B5EF4-FFF2-40B4-BE49-F238E27FC236}">
+                <a16:creationId xmlns:a16="http://schemas.microsoft.com/office/drawing/2014/main" id="{7A636647-B123-46BD-B2B8-7F82F9B69290}"/>
+              </a:ext>
+            </a:extLst>
+          </p:cNvPr>
+          <p:cNvPicPr>
+            <a:picLocks noChangeAspect="1"/>
+          </p:cNvPicPr>
+          <p:nvPr/>
+        </p:nvPicPr>
+        <p:blipFill>
+          <a:blip r:embed="rId13">
+            <a:extLst>
+              <a:ext uri="{28A0092B-C50C-407E-A947-70E740481C1C}">
+                <a14:useLocalDpi xmlns:a14="http://schemas.microsoft.com/office/drawing/2010/main" val="0"/>
+              </a:ext>
+            </a:extLst>
+          </a:blip>
+          <a:stretch>
+            <a:fillRect/>
+          </a:stretch>
+        </p:blipFill>
+        <p:spPr>
+          <a:xfrm>
+            <a:off x="9653533" y="1584309"/>
+            <a:ext cx="1266667" cy="1266667"/>
+          </a:xfrm>
+          <a:prstGeom prst="rect">
+            <a:avLst/>
+          </a:prstGeom>
+        </p:spPr>
+      </p:pic>
+      <p:pic>
+        <p:nvPicPr>
+          <p:cNvPr id="37" name="Picture 36">
+            <a:extLst>
+              <a:ext uri="{FF2B5EF4-FFF2-40B4-BE49-F238E27FC236}">
+                <a16:creationId xmlns:a16="http://schemas.microsoft.com/office/drawing/2014/main" id="{3D4737DD-BE50-4546-A86E-EE30797F2291}"/>
+              </a:ext>
+            </a:extLst>
+          </p:cNvPr>
+          <p:cNvPicPr>
+            <a:picLocks noChangeAspect="1"/>
+          </p:cNvPicPr>
+          <p:nvPr/>
+        </p:nvPicPr>
+        <p:blipFill>
+          <a:blip r:embed="rId14">
+            <a:extLst>
+              <a:ext uri="{28A0092B-C50C-407E-A947-70E740481C1C}">
+                <a14:useLocalDpi xmlns:a14="http://schemas.microsoft.com/office/drawing/2010/main" val="0"/>
+              </a:ext>
+            </a:extLst>
+          </a:blip>
+          <a:stretch>
+            <a:fillRect/>
+          </a:stretch>
+        </p:blipFill>
+        <p:spPr>
+          <a:xfrm>
+            <a:off x="8214948" y="2773715"/>
+            <a:ext cx="1266667" cy="1266667"/>
+          </a:xfrm>
+          <a:prstGeom prst="rect">
+            <a:avLst/>
+          </a:prstGeom>
+        </p:spPr>
+      </p:pic>
+      <p:pic>
+        <p:nvPicPr>
+          <p:cNvPr id="39" name="Picture 38">
+            <a:extLst>
+              <a:ext uri="{FF2B5EF4-FFF2-40B4-BE49-F238E27FC236}">
+                <a16:creationId xmlns:a16="http://schemas.microsoft.com/office/drawing/2014/main" id="{BD63FC36-73F0-4A00-862A-C241D8EAE761}"/>
+              </a:ext>
+            </a:extLst>
+          </p:cNvPr>
+          <p:cNvPicPr>
+            <a:picLocks noChangeAspect="1"/>
+          </p:cNvPicPr>
+          <p:nvPr/>
+        </p:nvPicPr>
+        <p:blipFill>
+          <a:blip r:embed="rId15">
+            <a:extLst>
+              <a:ext uri="{28A0092B-C50C-407E-A947-70E740481C1C}">
+                <a14:useLocalDpi xmlns:a14="http://schemas.microsoft.com/office/drawing/2010/main" val="0"/>
+              </a:ext>
+            </a:extLst>
+          </a:blip>
+          <a:stretch>
+            <a:fillRect/>
+          </a:stretch>
+        </p:blipFill>
+        <p:spPr>
+          <a:xfrm>
+            <a:off x="9600369" y="2795665"/>
+            <a:ext cx="1266667" cy="1266667"/>
+          </a:xfrm>
+          <a:prstGeom prst="rect">
+            <a:avLst/>
+          </a:prstGeom>
+        </p:spPr>
+      </p:pic>
+      <p:pic>
+        <p:nvPicPr>
+          <p:cNvPr id="40" name="Picture 39">
+            <a:extLst>
+              <a:ext uri="{FF2B5EF4-FFF2-40B4-BE49-F238E27FC236}">
+                <a16:creationId xmlns:a16="http://schemas.microsoft.com/office/drawing/2014/main" id="{F4A30DE1-C2B0-4AA3-A633-45F393060125}"/>
+              </a:ext>
+            </a:extLst>
+          </p:cNvPr>
+          <p:cNvPicPr>
+            <a:picLocks noChangeAspect="1"/>
+          </p:cNvPicPr>
+          <p:nvPr/>
+        </p:nvPicPr>
+        <p:blipFill>
+          <a:blip r:embed="rId16">
+            <a:extLst>
+              <a:ext uri="{28A0092B-C50C-407E-A947-70E740481C1C}">
+                <a14:useLocalDpi xmlns:a14="http://schemas.microsoft.com/office/drawing/2010/main" val="0"/>
+              </a:ext>
+            </a:extLst>
+          </a:blip>
+          <a:stretch>
+            <a:fillRect/>
+          </a:stretch>
+        </p:blipFill>
+        <p:spPr>
+          <a:xfrm>
+            <a:off x="6076079" y="5537296"/>
+            <a:ext cx="1266667" cy="1266667"/>
+          </a:xfrm>
+          <a:prstGeom prst="rect">
+            <a:avLst/>
+          </a:prstGeom>
+        </p:spPr>
+      </p:pic>
+      <p:pic>
+        <p:nvPicPr>
+          <p:cNvPr id="41" name="Picture 40">
+            <a:extLst>
+              <a:ext uri="{FF2B5EF4-FFF2-40B4-BE49-F238E27FC236}">
+                <a16:creationId xmlns:a16="http://schemas.microsoft.com/office/drawing/2014/main" id="{52CB65CE-AE9A-4532-9A4A-F345F90DD62E}"/>
+              </a:ext>
+            </a:extLst>
+          </p:cNvPr>
+          <p:cNvPicPr>
+            <a:picLocks noChangeAspect="1"/>
+          </p:cNvPicPr>
+          <p:nvPr/>
+        </p:nvPicPr>
+        <p:blipFill>
+          <a:blip r:embed="rId17">
+            <a:extLst>
+              <a:ext uri="{28A0092B-C50C-407E-A947-70E740481C1C}">
+                <a14:useLocalDpi xmlns:a14="http://schemas.microsoft.com/office/drawing/2010/main" val="0"/>
+              </a:ext>
+            </a:extLst>
+          </a:blip>
+          <a:stretch>
+            <a:fillRect/>
+          </a:stretch>
+        </p:blipFill>
+        <p:spPr>
+          <a:xfrm>
+            <a:off x="4903570" y="5606619"/>
+            <a:ext cx="1266667" cy="1266667"/>
+          </a:xfrm>
+          <a:prstGeom prst="rect">
+            <a:avLst/>
+          </a:prstGeom>
+        </p:spPr>
+      </p:pic>
+      <p:pic>
+        <p:nvPicPr>
+          <p:cNvPr id="42" name="Picture 41">
+            <a:extLst>
+              <a:ext uri="{FF2B5EF4-FFF2-40B4-BE49-F238E27FC236}">
+                <a16:creationId xmlns:a16="http://schemas.microsoft.com/office/drawing/2014/main" id="{C6614631-4861-4EBB-8426-744687763DF2}"/>
+              </a:ext>
+            </a:extLst>
+          </p:cNvPr>
+          <p:cNvPicPr>
+            <a:picLocks noChangeAspect="1"/>
+          </p:cNvPicPr>
+          <p:nvPr/>
+        </p:nvPicPr>
+        <p:blipFill>
+          <a:blip r:embed="rId18">
+            <a:extLst>
+              <a:ext uri="{28A0092B-C50C-407E-A947-70E740481C1C}">
+                <a14:useLocalDpi xmlns:a14="http://schemas.microsoft.com/office/drawing/2010/main" val="0"/>
+              </a:ext>
+            </a:extLst>
+          </a:blip>
+          <a:stretch>
+            <a:fillRect/>
+          </a:stretch>
+        </p:blipFill>
+        <p:spPr>
+          <a:xfrm>
+            <a:off x="6627790" y="1661299"/>
+            <a:ext cx="1266667" cy="1266667"/>
+          </a:xfrm>
+          <a:prstGeom prst="rect">
+            <a:avLst/>
+          </a:prstGeom>
+        </p:spPr>
+      </p:pic>
+      <p:pic>
+        <p:nvPicPr>
+          <p:cNvPr id="43" name="Picture 42">
+            <a:extLst>
+              <a:ext uri="{FF2B5EF4-FFF2-40B4-BE49-F238E27FC236}">
+                <a16:creationId xmlns:a16="http://schemas.microsoft.com/office/drawing/2014/main" id="{4E93D520-AE90-4A92-8D93-E01A048377D0}"/>
+              </a:ext>
+            </a:extLst>
+          </p:cNvPr>
+          <p:cNvPicPr>
+            <a:picLocks noChangeAspect="1"/>
+          </p:cNvPicPr>
+          <p:nvPr/>
+        </p:nvPicPr>
+        <p:blipFill>
+          <a:blip r:embed="rId19">
+            <a:extLst>
+              <a:ext uri="{28A0092B-C50C-407E-A947-70E740481C1C}">
+                <a14:useLocalDpi xmlns:a14="http://schemas.microsoft.com/office/drawing/2010/main" val="0"/>
+              </a:ext>
+            </a:extLst>
+          </a:blip>
+          <a:stretch>
+            <a:fillRect/>
+          </a:stretch>
+        </p:blipFill>
+        <p:spPr>
+          <a:xfrm>
+            <a:off x="5413093" y="1645257"/>
+            <a:ext cx="1266667" cy="1266667"/>
+          </a:xfrm>
+          <a:prstGeom prst="rect">
+            <a:avLst/>
+          </a:prstGeom>
+        </p:spPr>
+      </p:pic>
+    </p:spTree>
+    <p:extLst>
+      <p:ext uri="{BB962C8B-B14F-4D97-AF65-F5344CB8AC3E}">
+        <p14:creationId xmlns:p14="http://schemas.microsoft.com/office/powerpoint/2010/main" val="3983276666"/>
+      </p:ext>
+    </p:extLst>
+  </p:cSld>
+  <p:clrMapOvr>
+    <a:masterClrMapping/>
+  </p:clrMapOvr>
+</p:sld>
+</file>
+
+<file path=ppt/slides/slide9.xml><?xml version="1.0" encoding="utf-8"?>
+<p:sld xmlns:a="http://schemas.openxmlformats.org/drawingml/2006/main" xmlns:r="http://schemas.openxmlformats.org/officeDocument/2006/relationships" xmlns:p="http://schemas.openxmlformats.org/presentationml/2006/main">
+  <p:cSld>
+    <p:bg>
+      <p:bgPr>
+        <a:solidFill>
+          <a:schemeClr val="bg1">
+            <a:lumMod val="75000"/>
+          </a:schemeClr>
+        </a:solidFill>
+        <a:effectLst/>
+      </p:bgPr>
+    </p:bg>
+    <p:spTree>
+      <p:nvGrpSpPr>
+        <p:cNvPr id="1" name=""/>
+        <p:cNvGrpSpPr/>
+        <p:nvPr/>
+      </p:nvGrpSpPr>
+      <p:grpSpPr>
+        <a:xfrm>
+          <a:off x="0" y="0"/>
+          <a:ext cx="0" cy="0"/>
+          <a:chOff x="0" y="0"/>
+          <a:chExt cx="0" cy="0"/>
+        </a:xfrm>
+      </p:grpSpPr>
+      <p:sp>
+        <p:nvSpPr>
+          <p:cNvPr id="2" name="Title 1">
+            <a:extLst>
+              <a:ext uri="{FF2B5EF4-FFF2-40B4-BE49-F238E27FC236}">
+                <a16:creationId xmlns:a16="http://schemas.microsoft.com/office/drawing/2014/main" id="{60EF0A38-5D5C-417B-A053-9B2EA2A0FE5A}"/>
+              </a:ext>
+            </a:extLst>
+          </p:cNvPr>
+          <p:cNvSpPr>
+            <a:spLocks noGrp="1"/>
+          </p:cNvSpPr>
+          <p:nvPr>
+            <p:ph type="title"/>
+          </p:nvPr>
+        </p:nvSpPr>
+        <p:spPr/>
+        <p:txBody>
+          <a:bodyPr>
+            <a:normAutofit/>
+          </a:bodyPr>
+          <a:lstStyle/>
+          <a:p>
+            <a:pPr algn="ctr"/>
+            <a:r>
+              <a:rPr lang="uk-UA" b="1" dirty="0">
+                <a:effectLst>
+                  <a:outerShdw blurRad="38100" dist="38100" dir="2700000" algn="tl">
+                    <a:srgbClr val="000000">
+                      <a:alpha val="43137"/>
+                    </a:srgbClr>
+                  </a:outerShdw>
+                </a:effectLst>
+              </a:rPr>
               <a:t>Діаграма створених класів</a:t>
             </a:r>
           </a:p>

--- a/презентація до курсової роботи Овсеюкова Єгора.pptx
+++ b/презентація до курсової роботи Овсеюкова Єгора.pptx
@@ -281,7 +281,7 @@
           <a:p>
             <a:fld id="{FC02CBD9-FAFF-4D30-8EBA-73732B72B2B5}" type="datetimeFigureOut">
               <a:rPr lang="en-GB" smtClean="0"/>
-              <a:t>26/05/2021</a:t>
+              <a:t>29/05/2021</a:t>
             </a:fld>
             <a:endParaRPr lang="en-GB" dirty="0"/>
           </a:p>
@@ -481,7 +481,7 @@
           <a:p>
             <a:fld id="{FC02CBD9-FAFF-4D30-8EBA-73732B72B2B5}" type="datetimeFigureOut">
               <a:rPr lang="en-GB" smtClean="0"/>
-              <a:t>26/05/2021</a:t>
+              <a:t>29/05/2021</a:t>
             </a:fld>
             <a:endParaRPr lang="en-GB" dirty="0"/>
           </a:p>
@@ -691,7 +691,7 @@
           <a:p>
             <a:fld id="{FC02CBD9-FAFF-4D30-8EBA-73732B72B2B5}" type="datetimeFigureOut">
               <a:rPr lang="en-GB" smtClean="0"/>
-              <a:t>26/05/2021</a:t>
+              <a:t>29/05/2021</a:t>
             </a:fld>
             <a:endParaRPr lang="en-GB" dirty="0"/>
           </a:p>
@@ -891,7 +891,7 @@
           <a:p>
             <a:fld id="{FC02CBD9-FAFF-4D30-8EBA-73732B72B2B5}" type="datetimeFigureOut">
               <a:rPr lang="en-GB" smtClean="0"/>
-              <a:t>26/05/2021</a:t>
+              <a:t>29/05/2021</a:t>
             </a:fld>
             <a:endParaRPr lang="en-GB" dirty="0"/>
           </a:p>
@@ -1167,7 +1167,7 @@
           <a:p>
             <a:fld id="{FC02CBD9-FAFF-4D30-8EBA-73732B72B2B5}" type="datetimeFigureOut">
               <a:rPr lang="en-GB" smtClean="0"/>
-              <a:t>26/05/2021</a:t>
+              <a:t>29/05/2021</a:t>
             </a:fld>
             <a:endParaRPr lang="en-GB" dirty="0"/>
           </a:p>
@@ -1435,7 +1435,7 @@
           <a:p>
             <a:fld id="{FC02CBD9-FAFF-4D30-8EBA-73732B72B2B5}" type="datetimeFigureOut">
               <a:rPr lang="en-GB" smtClean="0"/>
-              <a:t>26/05/2021</a:t>
+              <a:t>29/05/2021</a:t>
             </a:fld>
             <a:endParaRPr lang="en-GB" dirty="0"/>
           </a:p>
@@ -1850,7 +1850,7 @@
           <a:p>
             <a:fld id="{FC02CBD9-FAFF-4D30-8EBA-73732B72B2B5}" type="datetimeFigureOut">
               <a:rPr lang="en-GB" smtClean="0"/>
-              <a:t>26/05/2021</a:t>
+              <a:t>29/05/2021</a:t>
             </a:fld>
             <a:endParaRPr lang="en-GB" dirty="0"/>
           </a:p>
@@ -1992,7 +1992,7 @@
           <a:p>
             <a:fld id="{FC02CBD9-FAFF-4D30-8EBA-73732B72B2B5}" type="datetimeFigureOut">
               <a:rPr lang="en-GB" smtClean="0"/>
-              <a:t>26/05/2021</a:t>
+              <a:t>29/05/2021</a:t>
             </a:fld>
             <a:endParaRPr lang="en-GB" dirty="0"/>
           </a:p>
@@ -2105,7 +2105,7 @@
           <a:p>
             <a:fld id="{FC02CBD9-FAFF-4D30-8EBA-73732B72B2B5}" type="datetimeFigureOut">
               <a:rPr lang="en-GB" smtClean="0"/>
-              <a:t>26/05/2021</a:t>
+              <a:t>29/05/2021</a:t>
             </a:fld>
             <a:endParaRPr lang="en-GB" dirty="0"/>
           </a:p>
@@ -2418,7 +2418,7 @@
           <a:p>
             <a:fld id="{FC02CBD9-FAFF-4D30-8EBA-73732B72B2B5}" type="datetimeFigureOut">
               <a:rPr lang="en-GB" smtClean="0"/>
-              <a:t>26/05/2021</a:t>
+              <a:t>29/05/2021</a:t>
             </a:fld>
             <a:endParaRPr lang="en-GB" dirty="0"/>
           </a:p>
@@ -2707,7 +2707,7 @@
           <a:p>
             <a:fld id="{FC02CBD9-FAFF-4D30-8EBA-73732B72B2B5}" type="datetimeFigureOut">
               <a:rPr lang="en-GB" smtClean="0"/>
-              <a:t>26/05/2021</a:t>
+              <a:t>29/05/2021</a:t>
             </a:fld>
             <a:endParaRPr lang="en-GB" dirty="0"/>
           </a:p>
@@ -2950,7 +2950,7 @@
           <a:p>
             <a:fld id="{FC02CBD9-FAFF-4D30-8EBA-73732B72B2B5}" type="datetimeFigureOut">
               <a:rPr lang="en-GB" smtClean="0"/>
-              <a:t>26/05/2021</a:t>
+              <a:t>29/05/2021</a:t>
             </a:fld>
             <a:endParaRPr lang="en-GB" dirty="0"/>
           </a:p>
@@ -6247,47 +6247,59 @@
           </a:p>
         </p:txBody>
       </p:sp>
+      <p:sp>
+        <p:nvSpPr>
+          <p:cNvPr id="5" name="Content Placeholder 4">
+            <a:extLst>
+              <a:ext uri="{FF2B5EF4-FFF2-40B4-BE49-F238E27FC236}">
+                <a16:creationId xmlns:a16="http://schemas.microsoft.com/office/drawing/2014/main" id="{F192ED1D-812C-4D3E-BA7A-F4DF0A5FE57E}"/>
+              </a:ext>
+            </a:extLst>
+          </p:cNvPr>
+          <p:cNvSpPr>
+            <a:spLocks noGrp="1"/>
+          </p:cNvSpPr>
+          <p:nvPr>
+            <p:ph idx="1"/>
+          </p:nvPr>
+        </p:nvSpPr>
+        <p:spPr/>
+        <p:txBody>
+          <a:bodyPr/>
+          <a:lstStyle/>
+          <a:p>
+            <a:endParaRPr lang="uk-UA"/>
+          </a:p>
+        </p:txBody>
+      </p:sp>
       <p:pic>
         <p:nvPicPr>
-          <p:cNvPr id="4" name="Content Placeholder 3">
-            <a:extLst>
-              <a:ext uri="{FF2B5EF4-FFF2-40B4-BE49-F238E27FC236}">
-                <a16:creationId xmlns:a16="http://schemas.microsoft.com/office/drawing/2014/main" id="{3826F960-ACF7-4CE7-9CB5-2A0E18CF1231}"/>
+          <p:cNvPr id="7" name="Picture 6">
+            <a:extLst>
+              <a:ext uri="{FF2B5EF4-FFF2-40B4-BE49-F238E27FC236}">
+                <a16:creationId xmlns:a16="http://schemas.microsoft.com/office/drawing/2014/main" id="{926FA506-7F99-4C38-B760-9382A9B42885}"/>
               </a:ext>
             </a:extLst>
           </p:cNvPr>
           <p:cNvPicPr>
-            <a:picLocks noGrp="1"/>
+            <a:picLocks noChangeAspect="1"/>
           </p:cNvPicPr>
-          <p:nvPr>
-            <p:ph idx="1"/>
-          </p:nvPr>
+          <p:nvPr/>
         </p:nvPicPr>
         <p:blipFill>
-          <a:blip r:embed="rId2">
-            <a:extLst>
-              <a:ext uri="{28A0092B-C50C-407E-A947-70E740481C1C}">
-                <a14:useLocalDpi xmlns:a14="http://schemas.microsoft.com/office/drawing/2010/main" val="0"/>
-              </a:ext>
-            </a:extLst>
-          </a:blip>
-          <a:srcRect/>
+          <a:blip r:embed="rId2"/>
           <a:stretch>
             <a:fillRect/>
           </a:stretch>
         </p:blipFill>
-        <p:spPr bwMode="auto">
+        <p:spPr>
           <a:xfrm>
-            <a:off x="934618" y="1825625"/>
-            <a:ext cx="10322764" cy="4351338"/>
+            <a:off x="309154" y="1732562"/>
+            <a:ext cx="11573691" cy="4537464"/>
           </a:xfrm>
           <a:prstGeom prst="rect">
             <a:avLst/>
           </a:prstGeom>
-          <a:noFill/>
-          <a:ln>
-            <a:noFill/>
-          </a:ln>
         </p:spPr>
       </p:pic>
     </p:spTree>
